--- a/Lecture Slides/23 Evaluation II.pptx
+++ b/Lecture Slides/23 Evaluation II.pptx
@@ -261,7 +261,7 @@
           <a:p>
             <a:fld id="{1130BF11-F96A-4C41-9C38-A61C8DDE9AB9}" type="datetimeFigureOut">
               <a:rPr lang="en-US" smtClean="0"/>
-              <a:t>2/9/19</a:t>
+              <a:t>2/11/19</a:t>
             </a:fld>
             <a:endParaRPr lang="en-US"/>
           </a:p>
@@ -424,7 +424,7 @@
           <a:p>
             <a:fld id="{1130BF11-F96A-4C41-9C38-A61C8DDE9AB9}" type="datetimeFigureOut">
               <a:rPr lang="en-US" smtClean="0"/>
-              <a:t>2/9/19</a:t>
+              <a:t>2/11/19</a:t>
             </a:fld>
             <a:endParaRPr lang="en-US"/>
           </a:p>
@@ -597,7 +597,7 @@
           <a:p>
             <a:fld id="{1130BF11-F96A-4C41-9C38-A61C8DDE9AB9}" type="datetimeFigureOut">
               <a:rPr lang="en-US" smtClean="0"/>
-              <a:t>2/9/19</a:t>
+              <a:t>2/11/19</a:t>
             </a:fld>
             <a:endParaRPr lang="en-US"/>
           </a:p>
@@ -829,7 +829,7 @@
             <a:fld id="{1130BF11-F96A-4C41-9C38-A61C8DDE9AB9}" type="datetimeFigureOut">
               <a:rPr lang="en-US" smtClean="0"/>
               <a:pPr/>
-              <a:t>2/9/19</a:t>
+              <a:t>2/11/19</a:t>
             </a:fld>
             <a:endParaRPr lang="en-US"/>
           </a:p>
@@ -1082,7 +1082,7 @@
           <a:p>
             <a:fld id="{1130BF11-F96A-4C41-9C38-A61C8DDE9AB9}" type="datetimeFigureOut">
               <a:rPr lang="en-US" smtClean="0"/>
-              <a:t>2/9/19</a:t>
+              <a:t>2/11/19</a:t>
             </a:fld>
             <a:endParaRPr lang="en-US"/>
           </a:p>
@@ -1306,7 +1306,7 @@
           <a:p>
             <a:fld id="{1130BF11-F96A-4C41-9C38-A61C8DDE9AB9}" type="datetimeFigureOut">
               <a:rPr lang="en-US" smtClean="0"/>
-              <a:t>2/9/19</a:t>
+              <a:t>2/11/19</a:t>
             </a:fld>
             <a:endParaRPr lang="en-US"/>
           </a:p>
@@ -1665,7 +1665,7 @@
           <a:p>
             <a:fld id="{1130BF11-F96A-4C41-9C38-A61C8DDE9AB9}" type="datetimeFigureOut">
               <a:rPr lang="en-US" smtClean="0"/>
-              <a:t>2/9/19</a:t>
+              <a:t>2/11/19</a:t>
             </a:fld>
             <a:endParaRPr lang="en-US"/>
           </a:p>
@@ -1777,7 +1777,7 @@
           <a:p>
             <a:fld id="{1130BF11-F96A-4C41-9C38-A61C8DDE9AB9}" type="datetimeFigureOut">
               <a:rPr lang="en-US" smtClean="0"/>
-              <a:t>2/9/19</a:t>
+              <a:t>2/11/19</a:t>
             </a:fld>
             <a:endParaRPr lang="en-US"/>
           </a:p>
@@ -1867,7 +1867,7 @@
           <a:p>
             <a:fld id="{1130BF11-F96A-4C41-9C38-A61C8DDE9AB9}" type="datetimeFigureOut">
               <a:rPr lang="en-US" smtClean="0"/>
-              <a:t>2/9/19</a:t>
+              <a:t>2/11/19</a:t>
             </a:fld>
             <a:endParaRPr lang="en-US"/>
           </a:p>
@@ -2137,7 +2137,7 @@
           <a:p>
             <a:fld id="{1130BF11-F96A-4C41-9C38-A61C8DDE9AB9}" type="datetimeFigureOut">
               <a:rPr lang="en-US" smtClean="0"/>
-              <a:t>2/9/19</a:t>
+              <a:t>2/11/19</a:t>
             </a:fld>
             <a:endParaRPr lang="en-US"/>
           </a:p>
@@ -2384,7 +2384,7 @@
           <a:p>
             <a:fld id="{1130BF11-F96A-4C41-9C38-A61C8DDE9AB9}" type="datetimeFigureOut">
               <a:rPr lang="en-US" smtClean="0"/>
-              <a:t>2/9/19</a:t>
+              <a:t>2/11/19</a:t>
             </a:fld>
             <a:endParaRPr lang="en-US"/>
           </a:p>
@@ -2446,7 +2446,7 @@
     <p:bg>
       <p:bgPr>
         <a:solidFill>
-          <a:schemeClr val="tx1"/>
+          <a:schemeClr val="bg1"/>
         </a:solidFill>
         <a:effectLst/>
       </p:bgPr>
@@ -2583,7 +2583,7 @@
             <a:lvl1pPr algn="l">
               <a:defRPr sz="900">
                 <a:solidFill>
-                  <a:schemeClr val="bg1"/>
+                  <a:schemeClr val="tx1"/>
                 </a:solidFill>
               </a:defRPr>
             </a:lvl1pPr>
@@ -2592,7 +2592,7 @@
             <a:fld id="{1130BF11-F96A-4C41-9C38-A61C8DDE9AB9}" type="datetimeFigureOut">
               <a:rPr lang="en-US" smtClean="0"/>
               <a:pPr/>
-              <a:t>2/9/19</a:t>
+              <a:t>2/11/19</a:t>
             </a:fld>
             <a:endParaRPr lang="en-US"/>
           </a:p>
@@ -2623,7 +2623,7 @@
             <a:lvl1pPr algn="ctr">
               <a:defRPr sz="900">
                 <a:solidFill>
-                  <a:schemeClr val="bg1"/>
+                  <a:schemeClr val="tx1"/>
                 </a:solidFill>
               </a:defRPr>
             </a:lvl1pPr>
@@ -2658,7 +2658,7 @@
             <a:lvl1pPr algn="r">
               <a:defRPr sz="900">
                 <a:solidFill>
-                  <a:schemeClr val="bg1"/>
+                  <a:schemeClr val="tx1"/>
                 </a:solidFill>
               </a:defRPr>
             </a:lvl1pPr>
@@ -2707,7 +2707,7 @@
         <a:buNone/>
         <a:defRPr sz="3300" kern="1200">
           <a:solidFill>
-            <a:schemeClr val="bg1"/>
+            <a:schemeClr val="tx1"/>
           </a:solidFill>
           <a:latin typeface="+mj-lt"/>
           <a:ea typeface="+mj-ea"/>
@@ -2727,7 +2727,7 @@
         <a:buChar char="•"/>
         <a:defRPr sz="2400" kern="1200">
           <a:solidFill>
-            <a:schemeClr val="bg1"/>
+            <a:schemeClr val="tx1"/>
           </a:solidFill>
           <a:latin typeface="+mn-lt"/>
           <a:ea typeface="+mn-ea"/>
@@ -2745,7 +2745,7 @@
         <a:buChar char="•"/>
         <a:defRPr sz="2000" kern="1200">
           <a:solidFill>
-            <a:schemeClr val="bg1"/>
+            <a:schemeClr val="tx1"/>
           </a:solidFill>
           <a:latin typeface="+mn-lt"/>
           <a:ea typeface="+mn-ea"/>
@@ -2763,7 +2763,7 @@
         <a:buChar char="•"/>
         <a:defRPr sz="1600" kern="1200">
           <a:solidFill>
-            <a:schemeClr val="bg1"/>
+            <a:schemeClr val="tx1"/>
           </a:solidFill>
           <a:latin typeface="+mn-lt"/>
           <a:ea typeface="+mn-ea"/>
@@ -2781,7 +2781,7 @@
         <a:buChar char="•"/>
         <a:defRPr sz="1400" kern="1200">
           <a:solidFill>
-            <a:schemeClr val="bg1"/>
+            <a:schemeClr val="tx1"/>
           </a:solidFill>
           <a:latin typeface="+mn-lt"/>
           <a:ea typeface="+mn-ea"/>
@@ -2799,7 +2799,7 @@
         <a:buChar char="•"/>
         <a:defRPr sz="1400" kern="1200">
           <a:solidFill>
-            <a:schemeClr val="bg1"/>
+            <a:schemeClr val="tx1"/>
           </a:solidFill>
           <a:latin typeface="+mn-lt"/>
           <a:ea typeface="+mn-ea"/>
@@ -3618,9 +3618,6 @@
           <a:p>
             <a:r>
               <a:rPr lang="en-US" sz="3600" dirty="0">
-                <a:solidFill>
-                  <a:schemeClr val="bg1"/>
-                </a:solidFill>
                 <a:hlinkClick r:id="rId2">
                   <a:extLst>
                     <a:ext uri="{A12FA001-AC4F-418D-AE19-62706E023703}">
@@ -3631,11 +3628,7 @@
               </a:rPr>
               <a:t>Blackboard Quiz !!!</a:t>
             </a:r>
-            <a:endParaRPr lang="en-US" sz="3600" dirty="0">
-              <a:solidFill>
-                <a:schemeClr val="bg1"/>
-              </a:solidFill>
-            </a:endParaRPr>
+            <a:endParaRPr lang="en-US" sz="3600" dirty="0"/>
           </a:p>
         </p:txBody>
       </p:sp>
@@ -3915,7 +3908,7 @@
             <a:avLst/>
           </a:prstGeom>
           <a:solidFill>
-            <a:schemeClr val="tx1"/>
+            <a:schemeClr val="bg1"/>
           </a:solidFill>
           <a:ln>
             <a:noFill/>
@@ -3967,7 +3960,7 @@
             <a:avLst/>
           </a:prstGeom>
           <a:solidFill>
-            <a:schemeClr val="tx1"/>
+            <a:schemeClr val="bg1"/>
           </a:solidFill>
           <a:ln>
             <a:noFill/>
@@ -4019,7 +4012,7 @@
             <a:avLst/>
           </a:prstGeom>
           <a:solidFill>
-            <a:schemeClr val="tx1"/>
+            <a:schemeClr val="bg1"/>
           </a:solidFill>
           <a:ln>
             <a:noFill/>
@@ -4071,7 +4064,7 @@
             <a:avLst/>
           </a:prstGeom>
           <a:solidFill>
-            <a:schemeClr val="tx1"/>
+            <a:schemeClr val="bg1"/>
           </a:solidFill>
           <a:ln>
             <a:noFill/>
@@ -4123,7 +4116,7 @@
             <a:avLst/>
           </a:prstGeom>
           <a:solidFill>
-            <a:schemeClr val="tx1"/>
+            <a:schemeClr val="bg1"/>
           </a:solidFill>
           <a:ln>
             <a:noFill/>
@@ -4606,7 +4599,7 @@
             <a:avLst/>
           </a:prstGeom>
           <a:solidFill>
-            <a:schemeClr val="tx1"/>
+            <a:schemeClr val="bg1"/>
           </a:solidFill>
           <a:ln>
             <a:noFill/>
@@ -4658,7 +4651,7 @@
             <a:avLst/>
           </a:prstGeom>
           <a:solidFill>
-            <a:schemeClr val="tx1"/>
+            <a:schemeClr val="bg1"/>
           </a:solidFill>
           <a:ln>
             <a:noFill/>
@@ -4710,7 +4703,7 @@
             <a:avLst/>
           </a:prstGeom>
           <a:solidFill>
-            <a:schemeClr val="tx1"/>
+            <a:schemeClr val="bg1"/>
           </a:solidFill>
           <a:ln>
             <a:noFill/>
@@ -4762,7 +4755,7 @@
             <a:avLst/>
           </a:prstGeom>
           <a:solidFill>
-            <a:schemeClr val="tx1"/>
+            <a:schemeClr val="bg1"/>
           </a:solidFill>
           <a:ln>
             <a:noFill/>
@@ -4814,7 +4807,7 @@
             <a:avLst/>
           </a:prstGeom>
           <a:solidFill>
-            <a:schemeClr val="tx1"/>
+            <a:schemeClr val="bg1"/>
           </a:solidFill>
           <a:ln>
             <a:noFill/>
